--- a/week1/week1_install.pptx
+++ b/week1/week1_install.pptx
@@ -6,7 +6,7 @@
   </p:sldMasterIdLst>
   <p:sldIdLst>
     <p:sldId id="269" r:id="rId2"/>
-    <p:sldId id="256" r:id="rId3"/>
+    <p:sldId id="271" r:id="rId3"/>
     <p:sldId id="258" r:id="rId4"/>
     <p:sldId id="257" r:id="rId5"/>
     <p:sldId id="270" r:id="rId6"/>
@@ -4171,7 +4171,7 @@
           <a:p>
             <a:r>
               <a:rPr lang="en-US" dirty="0"/>
-              <a:t>Helpful links / search queries / things to do</a:t>
+              <a:t>Helpful links / search queries / things to do before meeting</a:t>
             </a:r>
           </a:p>
         </p:txBody>
@@ -5575,7 +5575,13 @@
   <p:cSld>
     <p:spTree>
       <p:nvGrpSpPr>
-        <p:cNvPr id="1" name=""/>
+        <p:cNvPr id="1" name="">
+          <a:extLst>
+            <a:ext uri="{FF2B5EF4-FFF2-40B4-BE49-F238E27FC236}">
+              <a16:creationId xmlns:a16="http://schemas.microsoft.com/office/drawing/2014/main" id="{699FDFA4-8FE5-63C4-598D-6DFE3B492FA3}"/>
+            </a:ext>
+          </a:extLst>
+        </p:cNvPr>
         <p:cNvGrpSpPr/>
         <p:nvPr/>
       </p:nvGrpSpPr>
@@ -5592,7 +5598,7 @@
           <p:cNvPr id="2" name="Title 1">
             <a:extLst>
               <a:ext uri="{FF2B5EF4-FFF2-40B4-BE49-F238E27FC236}">
-                <a16:creationId xmlns:a16="http://schemas.microsoft.com/office/drawing/2014/main" id="{8EAE723D-219B-AD05-DF64-ECC15034266C}"/>
+                <a16:creationId xmlns:a16="http://schemas.microsoft.com/office/drawing/2014/main" id="{03FDDC8B-7B76-5276-1DE2-F974BA9E2DF7}"/>
               </a:ext>
             </a:extLst>
           </p:cNvPr>
@@ -5620,7 +5626,7 @@
           <p:cNvPr id="3" name="Subtitle 2">
             <a:extLst>
               <a:ext uri="{FF2B5EF4-FFF2-40B4-BE49-F238E27FC236}">
-                <a16:creationId xmlns:a16="http://schemas.microsoft.com/office/drawing/2014/main" id="{B36CFC79-3C55-5F79-637A-14CAEF2FDFA6}"/>
+                <a16:creationId xmlns:a16="http://schemas.microsoft.com/office/drawing/2014/main" id="{1EF3B879-1CB4-8E49-6E94-654C7403B1FD}"/>
               </a:ext>
             </a:extLst>
           </p:cNvPr>
@@ -5649,7 +5655,7 @@
     </p:spTree>
     <p:extLst>
       <p:ext uri="{BB962C8B-B14F-4D97-AF65-F5344CB8AC3E}">
-        <p14:creationId xmlns:p14="http://schemas.microsoft.com/office/powerpoint/2010/main" val="3016302428"/>
+        <p14:creationId xmlns:p14="http://schemas.microsoft.com/office/powerpoint/2010/main" val="3316423848"/>
       </p:ext>
     </p:extLst>
   </p:cSld>

--- a/week1/week1_install.pptx
+++ b/week1/week1_install.pptx
@@ -564,7 +564,7 @@
           <a:p>
             <a:fld id="{89347157-CD57-42FD-AB37-70B70B85F13E}" type="datetimeFigureOut">
               <a:rPr lang="en-US" smtClean="0"/>
-              <a:t>10/18/2025</a:t>
+              <a:t>10/23/2025</a:t>
             </a:fld>
             <a:endParaRPr lang="en-US"/>
           </a:p>
@@ -743,7 +743,7 @@
           <a:p>
             <a:fld id="{89347157-CD57-42FD-AB37-70B70B85F13E}" type="datetimeFigureOut">
               <a:rPr lang="en-US" smtClean="0"/>
-              <a:t>10/18/2025</a:t>
+              <a:t>10/23/2025</a:t>
             </a:fld>
             <a:endParaRPr lang="en-US"/>
           </a:p>
@@ -923,7 +923,7 @@
           <a:p>
             <a:fld id="{89347157-CD57-42FD-AB37-70B70B85F13E}" type="datetimeFigureOut">
               <a:rPr lang="en-US" smtClean="0"/>
-              <a:t>10/18/2025</a:t>
+              <a:t>10/23/2025</a:t>
             </a:fld>
             <a:endParaRPr lang="en-US"/>
           </a:p>
@@ -1093,7 +1093,7 @@
           <a:p>
             <a:fld id="{89347157-CD57-42FD-AB37-70B70B85F13E}" type="datetimeFigureOut">
               <a:rPr lang="en-US" smtClean="0"/>
-              <a:t>10/18/2025</a:t>
+              <a:t>10/23/2025</a:t>
             </a:fld>
             <a:endParaRPr lang="en-US"/>
           </a:p>
@@ -1413,7 +1413,7 @@
           <a:p>
             <a:fld id="{89347157-CD57-42FD-AB37-70B70B85F13E}" type="datetimeFigureOut">
               <a:rPr lang="en-US" smtClean="0"/>
-              <a:t>10/18/2025</a:t>
+              <a:t>10/23/2025</a:t>
             </a:fld>
             <a:endParaRPr lang="en-US"/>
           </a:p>
@@ -1813,7 +1813,7 @@
           <a:p>
             <a:fld id="{89347157-CD57-42FD-AB37-70B70B85F13E}" type="datetimeFigureOut">
               <a:rPr lang="en-US" smtClean="0"/>
-              <a:t>10/18/2025</a:t>
+              <a:t>10/23/2025</a:t>
             </a:fld>
             <a:endParaRPr lang="en-US"/>
           </a:p>
@@ -2247,7 +2247,7 @@
           <a:p>
             <a:fld id="{89347157-CD57-42FD-AB37-70B70B85F13E}" type="datetimeFigureOut">
               <a:rPr lang="en-US" smtClean="0"/>
-              <a:t>10/18/2025</a:t>
+              <a:t>10/23/2025</a:t>
             </a:fld>
             <a:endParaRPr lang="en-US"/>
           </a:p>
@@ -2365,7 +2365,7 @@
           <a:p>
             <a:fld id="{89347157-CD57-42FD-AB37-70B70B85F13E}" type="datetimeFigureOut">
               <a:rPr lang="en-US" smtClean="0"/>
-              <a:t>10/18/2025</a:t>
+              <a:t>10/23/2025</a:t>
             </a:fld>
             <a:endParaRPr lang="en-US"/>
           </a:p>
@@ -2460,7 +2460,7 @@
           <a:p>
             <a:fld id="{89347157-CD57-42FD-AB37-70B70B85F13E}" type="datetimeFigureOut">
               <a:rPr lang="en-US" smtClean="0"/>
-              <a:t>10/18/2025</a:t>
+              <a:t>10/23/2025</a:t>
             </a:fld>
             <a:endParaRPr lang="en-US"/>
           </a:p>
@@ -2817,7 +2817,7 @@
           <a:p>
             <a:fld id="{89347157-CD57-42FD-AB37-70B70B85F13E}" type="datetimeFigureOut">
               <a:rPr lang="en-US" smtClean="0"/>
-              <a:t>10/18/2025</a:t>
+              <a:t>10/23/2025</a:t>
             </a:fld>
             <a:endParaRPr lang="en-US"/>
           </a:p>
@@ -3263,7 +3263,7 @@
           <a:p>
             <a:fld id="{89347157-CD57-42FD-AB37-70B70B85F13E}" type="datetimeFigureOut">
               <a:rPr lang="en-US" smtClean="0"/>
-              <a:t>10/18/2025</a:t>
+              <a:t>10/23/2025</a:t>
             </a:fld>
             <a:endParaRPr lang="en-US"/>
           </a:p>
@@ -3558,7 +3558,7 @@
           <a:p>
             <a:fld id="{89347157-CD57-42FD-AB37-70B70B85F13E}" type="datetimeFigureOut">
               <a:rPr lang="en-US" smtClean="0"/>
-              <a:t>10/18/2025</a:t>
+              <a:t>10/23/2025</a:t>
             </a:fld>
             <a:endParaRPr lang="en-US"/>
           </a:p>
@@ -5912,7 +5912,7 @@
           <a:p>
             <a:r>
               <a:rPr lang="en-US" dirty="0"/>
-              <a:t>Download WSL</a:t>
+              <a:t>Download WSL (Windows 11)</a:t>
             </a:r>
           </a:p>
         </p:txBody>
@@ -5943,7 +5943,16 @@
             </a:pPr>
             <a:r>
               <a:rPr lang="en-US" dirty="0"/>
-              <a:t>For Windows 11:</a:t>
+              <a:t>Find the settings “Turn Windows features on or off”</a:t>
+            </a:r>
+          </a:p>
+          <a:p>
+            <a:pPr marL="0" indent="0">
+              <a:buNone/>
+            </a:pPr>
+            <a:r>
+              <a:rPr lang="en-US" dirty="0"/>
+              <a:t>Make Sure “Windows Subsystem for Linux” is enabled</a:t>
             </a:r>
           </a:p>
           <a:p>
@@ -6005,21 +6014,6 @@
               <a:t> 2 on your computer with ubuntu (default)</a:t>
             </a:r>
             <a:endParaRPr lang="en-US" dirty="0"/>
-          </a:p>
-          <a:p>
-            <a:pPr marL="0" indent="0">
-              <a:buNone/>
-            </a:pPr>
-            <a:endParaRPr lang="en-US" dirty="0"/>
-          </a:p>
-          <a:p>
-            <a:pPr marL="0" indent="0">
-              <a:buNone/>
-            </a:pPr>
-            <a:r>
-              <a:rPr lang="en-US" dirty="0"/>
-              <a:t>If you run another version of Windows, figure it out.</a:t>
-            </a:r>
           </a:p>
         </p:txBody>
       </p:sp>

--- a/week1/week1_install.pptx
+++ b/week1/week1_install.pptx
@@ -564,7 +564,7 @@
           <a:p>
             <a:fld id="{89347157-CD57-42FD-AB37-70B70B85F13E}" type="datetimeFigureOut">
               <a:rPr lang="en-US" smtClean="0"/>
-              <a:t>10/23/2025</a:t>
+              <a:t>10/29/2025</a:t>
             </a:fld>
             <a:endParaRPr lang="en-US"/>
           </a:p>
@@ -743,7 +743,7 @@
           <a:p>
             <a:fld id="{89347157-CD57-42FD-AB37-70B70B85F13E}" type="datetimeFigureOut">
               <a:rPr lang="en-US" smtClean="0"/>
-              <a:t>10/23/2025</a:t>
+              <a:t>10/29/2025</a:t>
             </a:fld>
             <a:endParaRPr lang="en-US"/>
           </a:p>
@@ -923,7 +923,7 @@
           <a:p>
             <a:fld id="{89347157-CD57-42FD-AB37-70B70B85F13E}" type="datetimeFigureOut">
               <a:rPr lang="en-US" smtClean="0"/>
-              <a:t>10/23/2025</a:t>
+              <a:t>10/29/2025</a:t>
             </a:fld>
             <a:endParaRPr lang="en-US"/>
           </a:p>
@@ -1093,7 +1093,7 @@
           <a:p>
             <a:fld id="{89347157-CD57-42FD-AB37-70B70B85F13E}" type="datetimeFigureOut">
               <a:rPr lang="en-US" smtClean="0"/>
-              <a:t>10/23/2025</a:t>
+              <a:t>10/29/2025</a:t>
             </a:fld>
             <a:endParaRPr lang="en-US"/>
           </a:p>
@@ -1413,7 +1413,7 @@
           <a:p>
             <a:fld id="{89347157-CD57-42FD-AB37-70B70B85F13E}" type="datetimeFigureOut">
               <a:rPr lang="en-US" smtClean="0"/>
-              <a:t>10/23/2025</a:t>
+              <a:t>10/29/2025</a:t>
             </a:fld>
             <a:endParaRPr lang="en-US"/>
           </a:p>
@@ -1813,7 +1813,7 @@
           <a:p>
             <a:fld id="{89347157-CD57-42FD-AB37-70B70B85F13E}" type="datetimeFigureOut">
               <a:rPr lang="en-US" smtClean="0"/>
-              <a:t>10/23/2025</a:t>
+              <a:t>10/29/2025</a:t>
             </a:fld>
             <a:endParaRPr lang="en-US"/>
           </a:p>
@@ -2247,7 +2247,7 @@
           <a:p>
             <a:fld id="{89347157-CD57-42FD-AB37-70B70B85F13E}" type="datetimeFigureOut">
               <a:rPr lang="en-US" smtClean="0"/>
-              <a:t>10/23/2025</a:t>
+              <a:t>10/29/2025</a:t>
             </a:fld>
             <a:endParaRPr lang="en-US"/>
           </a:p>
@@ -2365,7 +2365,7 @@
           <a:p>
             <a:fld id="{89347157-CD57-42FD-AB37-70B70B85F13E}" type="datetimeFigureOut">
               <a:rPr lang="en-US" smtClean="0"/>
-              <a:t>10/23/2025</a:t>
+              <a:t>10/29/2025</a:t>
             </a:fld>
             <a:endParaRPr lang="en-US"/>
           </a:p>
@@ -2460,7 +2460,7 @@
           <a:p>
             <a:fld id="{89347157-CD57-42FD-AB37-70B70B85F13E}" type="datetimeFigureOut">
               <a:rPr lang="en-US" smtClean="0"/>
-              <a:t>10/23/2025</a:t>
+              <a:t>10/29/2025</a:t>
             </a:fld>
             <a:endParaRPr lang="en-US"/>
           </a:p>
@@ -2817,7 +2817,7 @@
           <a:p>
             <a:fld id="{89347157-CD57-42FD-AB37-70B70B85F13E}" type="datetimeFigureOut">
               <a:rPr lang="en-US" smtClean="0"/>
-              <a:t>10/23/2025</a:t>
+              <a:t>10/29/2025</a:t>
             </a:fld>
             <a:endParaRPr lang="en-US"/>
           </a:p>
@@ -3263,7 +3263,7 @@
           <a:p>
             <a:fld id="{89347157-CD57-42FD-AB37-70B70B85F13E}" type="datetimeFigureOut">
               <a:rPr lang="en-US" smtClean="0"/>
-              <a:t>10/23/2025</a:t>
+              <a:t>10/29/2025</a:t>
             </a:fld>
             <a:endParaRPr lang="en-US"/>
           </a:p>
@@ -3558,7 +3558,7 @@
           <a:p>
             <a:fld id="{89347157-CD57-42FD-AB37-70B70B85F13E}" type="datetimeFigureOut">
               <a:rPr lang="en-US" smtClean="0"/>
-              <a:t>10/23/2025</a:t>
+              <a:t>10/29/2025</a:t>
             </a:fld>
             <a:endParaRPr lang="en-US"/>
           </a:p>
@@ -5071,43 +5071,7 @@
               <a:rPr lang="en-US" dirty="0">
                 <a:sym typeface="Wingdings" panose="05000000000000000000" pitchFamily="2" charset="2"/>
               </a:rPr>
-              <a:t> instance running on your windows side it sometimes gets mixed up. If needed close the windows instance and </a:t>
-            </a:r>
-            <a:r>
-              <a:rPr lang="en-US" dirty="0" err="1">
-                <a:sym typeface="Wingdings" panose="05000000000000000000" pitchFamily="2" charset="2"/>
-              </a:rPr>
-              <a:t>and</a:t>
-            </a:r>
-            <a:r>
-              <a:rPr lang="en-US" dirty="0">
-                <a:sym typeface="Wingdings" panose="05000000000000000000" pitchFamily="2" charset="2"/>
-              </a:rPr>
-              <a:t> </a:t>
-            </a:r>
-            <a:r>
-              <a:rPr lang="en-US" dirty="0" err="1">
-                <a:sym typeface="Wingdings" panose="05000000000000000000" pitchFamily="2" charset="2"/>
-              </a:rPr>
-              <a:t>linux</a:t>
-            </a:r>
-            <a:r>
-              <a:rPr lang="en-US" dirty="0">
-                <a:sym typeface="Wingdings" panose="05000000000000000000" pitchFamily="2" charset="2"/>
-              </a:rPr>
-              <a:t> case and rerun the </a:t>
-            </a:r>
-            <a:r>
-              <a:rPr lang="en-US" dirty="0" err="1">
-                <a:sym typeface="Wingdings" panose="05000000000000000000" pitchFamily="2" charset="2"/>
-              </a:rPr>
-              <a:t>linux</a:t>
-            </a:r>
-            <a:r>
-              <a:rPr lang="en-US" dirty="0">
-                <a:sym typeface="Wingdings" panose="05000000000000000000" pitchFamily="2" charset="2"/>
-              </a:rPr>
-              <a:t> case</a:t>
+              <a:t> instance running on your windows side it sometimes gets mixed up. If needed add the flag --port 9999 (or some other port so it doesn’t conflict)</a:t>
             </a:r>
             <a:endParaRPr lang="en-US" dirty="0"/>
           </a:p>
@@ -5639,12 +5603,36 @@
         </p:nvSpPr>
         <p:spPr/>
         <p:txBody>
-          <a:bodyPr/>
+          <a:bodyPr>
+            <a:normAutofit fontScale="85000" lnSpcReduction="10000"/>
+          </a:bodyPr>
           <a:lstStyle/>
           <a:p>
             <a:r>
               <a:rPr lang="en-US" dirty="0"/>
               <a:t>Week 1 – Installation</a:t>
+            </a:r>
+          </a:p>
+          <a:p>
+            <a:r>
+              <a:rPr lang="en-US" dirty="0"/>
+              <a:t>*note: some of the “-” characters are rendering as </a:t>
+            </a:r>
+            <a:r>
+              <a:rPr lang="en-US" dirty="0" err="1"/>
+              <a:t>em</a:t>
+            </a:r>
+            <a:r>
+              <a:rPr lang="en-US" dirty="0"/>
+              <a:t> dashes instead of </a:t>
+            </a:r>
+            <a:r>
+              <a:rPr lang="en-US" dirty="0" err="1"/>
+              <a:t>en</a:t>
+            </a:r>
+            <a:r>
+              <a:rPr lang="en-US" dirty="0"/>
+              <a:t> dashes, so beware of that when copying from this presentation</a:t>
             </a:r>
           </a:p>
           <a:p>
